--- a/SetPoster.pptx
+++ b/SetPoster.pptx
@@ -873,6 +873,91 @@
     </a:lvl9pPr>
   </p:notesStyle>
 </p:notesMaster>
+</file>
+
+<file path=ppt/notesSlides/notesSlide1.xml><?xml version="1.0" encoding="utf-8"?>
+<p:notes xmlns:a="http://schemas.openxmlformats.org/drawingml/2006/main" xmlns:r="http://schemas.openxmlformats.org/officeDocument/2006/relationships" xmlns:p="http://schemas.openxmlformats.org/presentationml/2006/main">
+  <p:cSld>
+    <p:spTree>
+      <p:nvGrpSpPr>
+        <p:cNvPr id="1" name=""/>
+        <p:cNvGrpSpPr/>
+        <p:nvPr/>
+      </p:nvGrpSpPr>
+      <p:grpSpPr>
+        <a:xfrm>
+          <a:off x="0" y="0"/>
+          <a:ext cx="0" cy="0"/>
+          <a:chOff x="0" y="0"/>
+          <a:chExt cx="0" cy="0"/>
+        </a:xfrm>
+      </p:grpSpPr>
+      <p:sp>
+        <p:nvSpPr>
+          <p:cNvPr id="2" name="Slide Image Placeholder 1"/>
+          <p:cNvSpPr>
+            <a:spLocks noGrp="1" noRot="1" noChangeAspect="1"/>
+          </p:cNvSpPr>
+          <p:nvPr>
+            <p:ph type="sldImg"/>
+          </p:nvPr>
+        </p:nvSpPr>
+        <p:spPr/>
+      </p:sp>
+      <p:sp>
+        <p:nvSpPr>
+          <p:cNvPr id="3" name="Notes Placeholder 2"/>
+          <p:cNvSpPr>
+            <a:spLocks noGrp="1"/>
+          </p:cNvSpPr>
+          <p:nvPr>
+            <p:ph type="body" idx="1"/>
+          </p:nvPr>
+        </p:nvSpPr>
+        <p:spPr/>
+        <p:txBody>
+          <a:bodyPr/>
+          <a:lstStyle/>
+          <a:p>
+            <a:endParaRPr lang="en-US"/>
+          </a:p>
+        </p:txBody>
+      </p:sp>
+      <p:sp>
+        <p:nvSpPr>
+          <p:cNvPr id="4" name="Slide Number Placeholder 3"/>
+          <p:cNvSpPr>
+            <a:spLocks noGrp="1"/>
+          </p:cNvSpPr>
+          <p:nvPr>
+            <p:ph type="sldNum" sz="quarter" idx="10"/>
+          </p:nvPr>
+        </p:nvSpPr>
+        <p:spPr/>
+        <p:txBody>
+          <a:bodyPr/>
+          <a:lstStyle/>
+          <a:p>
+            <a:fld id="{E01D0300-6C62-9C4A-A9F7-9AB24215CA3F}" type="slidenum">
+              <a:rPr lang="en-US" smtClean="0"/>
+              <a:pPr/>
+              <a:t>1</a:t>
+            </a:fld>
+            <a:endParaRPr lang="en-US" dirty="0"/>
+          </a:p>
+        </p:txBody>
+      </p:sp>
+    </p:spTree>
+    <p:extLst>
+      <p:ext uri="{BB962C8B-B14F-4D97-AF65-F5344CB8AC3E}">
+        <p14:creationId xmlns:p14="http://schemas.microsoft.com/office/powerpoint/2010/main" val="1867299815"/>
+      </p:ext>
+    </p:extLst>
+  </p:cSld>
+  <p:clrMapOvr>
+    <a:masterClrMapping/>
+  </p:clrMapOvr>
+</p:notes>
 </file>
 
 <file path=ppt/slideLayouts/slideLayout1.xml><?xml version="1.0" encoding="utf-8"?>
@@ -4507,7 +4592,7 @@
                 <a:ea typeface="Helvetica Neue" charset="0"/>
                 <a:cs typeface="Helvetica Neue" charset="0"/>
               </a:rPr>
-              <a:t>lgorithm due to its excessive use of memory. However, until this threshold, the dynamic algorithm is marginally faster than the SMT solver.</a:t>
+              <a:t>lgorithm due to the dynamic algorithm’s excessive use of memory. However, until this threshold, the dynamic algorithm is marginally faster than the SMT solver.</a:t>
             </a:r>
           </a:p>
           <a:p>
@@ -4871,7 +4956,7 @@
                 <a:ea typeface="Helvetica Neue" charset="0"/>
                 <a:cs typeface="Helvetica Neue" charset="0"/>
               </a:rPr>
-              <a:t>The goal of the game is to find sets as fast as possible. A set constitutes three cards in which for each property all cards either have the same or different value. On the right are examples of sets. </a:t>
+              <a:t>The goal of the game is to find sets as fast as possible. A set constitutes three cards in which for each property, all cards either have the same or different value. On the right are examples of sets. </a:t>
             </a:r>
           </a:p>
           <a:p>
@@ -5007,7 +5092,7 @@
         </p:nvSpPr>
         <p:spPr>
           <a:xfrm>
-            <a:off x="12995692" y="1346842"/>
+            <a:off x="13174237" y="976037"/>
             <a:ext cx="11365950" cy="5302252"/>
           </a:xfrm>
         </p:spPr>
@@ -5639,7 +5724,7 @@
                 <a:ea typeface="Helvetica Neue" charset="0"/>
                 <a:cs typeface="Helvetica Neue" charset="0"/>
               </a:rPr>
-              <a:t>It has been shown that the generalized version of the Game of Set is NP complete through a reduction from Perfect Dimension Matching to the Game of Set</a:t>
+              <a:t>It has been shown that the generalized version of the Game of Set is NP complete through a reduction from Perfect Dimensional Matching to the Game of Set</a:t>
             </a:r>
             <a:endParaRPr lang="en-US" sz="5400" b="0" dirty="0">
               <a:latin typeface="Helvetica Neue" charset="0"/>
@@ -5658,7 +5743,7 @@
         <p:spPr>
           <a:xfrm>
             <a:off x="20245482" y="15199334"/>
-            <a:ext cx="14190291" cy="8402301"/>
+            <a:ext cx="14190291" cy="7571303"/>
           </a:xfrm>
           <a:prstGeom prst="rect">
             <a:avLst/>
@@ -5695,7 +5780,7 @@
                 <a:ea typeface="Helvetica Neue" charset="0"/>
                 <a:cs typeface="Helvetica Neue" charset="0"/>
               </a:rPr>
-              <a:t>Some solvers even use computer vision such that the user does not even have to input the cards.</a:t>
+              <a:t>Some solvers even use computer vision to parse the cards from an image of the board</a:t>
             </a:r>
           </a:p>
           <a:p>
@@ -5709,7 +5794,7 @@
                 <a:ea typeface="Helvetica Neue" charset="0"/>
                 <a:cs typeface="Helvetica Neue" charset="0"/>
               </a:rPr>
-              <a:t>However, all of these solvers are limited to using the brute force and only apply to the original Game of Set</a:t>
+              <a:t>However, all of these solvers are limited to using the brute force solution and only apply to the original Game of Set</a:t>
             </a:r>
             <a:endParaRPr lang="en-US" sz="5400" b="0" dirty="0">
               <a:latin typeface="Helvetica Neue" charset="0"/>
@@ -6247,21 +6332,8 @@
                 <a:ea typeface="Helvetica Neue" charset="0"/>
                 <a:cs typeface="Helvetica Neue" charset="0"/>
               </a:rPr>
-              <a:t>As the original Game of Set is played, it has been shown that the probability of a set existing on a given board greatly decreases as the game is played (on an original board of 12 cards there’s a 29:1 chance of a set existing, but this drops to 15:1 as the game is played—50% </a:t>
-            </a:r>
-            <a:r>
-              <a:rPr lang="en-US" sz="5400" b="0" smtClean="0">
-                <a:latin typeface="Helvetica Neue" charset="0"/>
-                <a:ea typeface="Helvetica Neue" charset="0"/>
-                <a:cs typeface="Helvetica Neue" charset="0"/>
-              </a:rPr>
-              <a:t>less chance of a set existing).</a:t>
-            </a:r>
-            <a:endParaRPr lang="en-US" sz="5400" b="0" dirty="0" smtClean="0">
-              <a:latin typeface="Helvetica Neue" charset="0"/>
-              <a:ea typeface="Helvetica Neue" charset="0"/>
-              <a:cs typeface="Helvetica Neue" charset="0"/>
-            </a:endParaRPr>
+              <a:t>As the original Game of Set is played, it has been shown that the probability of a set existing on a given board greatly decreases as the game is played (on an original board of 12 cards, there is a 29:1 chance of a set existing, but this drops to 15:1 as the game is played—50% less chance of a set existing).</a:t>
+            </a:r>
           </a:p>
           <a:p>
             <a:pPr marL="685800" indent="-685800">
@@ -6459,7 +6531,7 @@
         </p:nvSpPr>
         <p:spPr>
           <a:xfrm>
-            <a:off x="4805240" y="22061873"/>
+            <a:off x="4805240" y="21229605"/>
             <a:ext cx="2862322" cy="2769989"/>
           </a:xfrm>
           <a:prstGeom prst="rect">
@@ -6501,7 +6573,7 @@
         <p:spPr>
           <a:xfrm>
             <a:off x="16910994" y="6857623"/>
-            <a:ext cx="18149801" cy="7571303"/>
+            <a:ext cx="18149801" cy="6740307"/>
           </a:xfrm>
           <a:prstGeom prst="rect">
             <a:avLst/>
@@ -6523,7 +6595,7 @@
                 <a:ea typeface="Helvetica Neue" charset="0"/>
                 <a:cs typeface="Helvetica Neue" charset="0"/>
               </a:rPr>
-              <a:t>For each property, the values of the cards are all different or all the same</a:t>
+              <a:t>For each property, the values of the cards in K must be all different or all the same</a:t>
             </a:r>
             <a:endParaRPr lang="en-US" sz="5400" b="0" dirty="0">
               <a:latin typeface="Helvetica Neue" charset="0"/>
@@ -6541,7 +6613,7 @@
                 <a:ea typeface="Helvetica Neue" charset="0"/>
                 <a:cs typeface="Helvetica Neue" charset="0"/>
               </a:rPr>
-              <a:t>All cards must be from the board</a:t>
+              <a:t>The cards in K must be from the board</a:t>
             </a:r>
             <a:endParaRPr lang="en-US" sz="5400" b="0" dirty="0">
               <a:latin typeface="Helvetica Neue" charset="0"/>
@@ -6559,7 +6631,7 @@
                 <a:ea typeface="Helvetica Neue" charset="0"/>
                 <a:cs typeface="Helvetica Neue" charset="0"/>
               </a:rPr>
-              <a:t>Cards in K must be distinct (for at least one property they must have a different value)</a:t>
+              <a:t>The cards in K must be distinct (for at least one property they must have a different value)</a:t>
             </a:r>
             <a:endParaRPr lang="en-US" sz="5400" b="0" dirty="0">
               <a:latin typeface="Helvetica Neue" charset="0"/>
@@ -6577,7 +6649,7 @@
                 <a:ea typeface="Helvetica Neue" charset="0"/>
                 <a:cs typeface="Helvetica Neue" charset="0"/>
               </a:rPr>
-              <a:t>The cards in K must be be any of the cards we have already used to find a set</a:t>
+              <a:t>The cards in K must not be any of the cards we have already used to find a set</a:t>
             </a:r>
           </a:p>
           <a:p>
@@ -6586,12 +6658,20 @@
               <a:buAutoNum type="arabicPeriod"/>
             </a:pPr>
             <a:r>
+              <a:rPr lang="en-US" sz="5400" b="0" dirty="0">
+                <a:latin typeface="Helvetica Neue" charset="0"/>
+                <a:ea typeface="Helvetica Neue" charset="0"/>
+                <a:cs typeface="Helvetica Neue" charset="0"/>
+              </a:rPr>
+              <a:t>T</a:t>
+            </a:r>
+            <a:r>
               <a:rPr lang="en-US" sz="5400" b="0" dirty="0" smtClean="0">
                 <a:latin typeface="Helvetica Neue" charset="0"/>
                 <a:ea typeface="Helvetica Neue" charset="0"/>
                 <a:cs typeface="Helvetica Neue" charset="0"/>
               </a:rPr>
-              <a:t>Symmetry breaking of the search space by forcing the set to be lexicographically sorted</a:t>
+              <a:t>he cards in K must be lexicographically sorted</a:t>
             </a:r>
             <a:endParaRPr lang="en-US" sz="5400" b="0" dirty="0">
               <a:latin typeface="Helvetica Neue" charset="0"/>
@@ -6662,7 +6742,7 @@
         </p:nvSpPr>
         <p:spPr>
           <a:xfrm>
-            <a:off x="4805240" y="15069666"/>
+            <a:off x="4805240" y="14396611"/>
             <a:ext cx="29469645" cy="5078313"/>
           </a:xfrm>
           <a:prstGeom prst="rect">
@@ -6686,7 +6766,7 @@
                 <a:ea typeface="Helvetica Neue" charset="0"/>
                 <a:cs typeface="Helvetica Neue" charset="0"/>
               </a:rPr>
-              <a:t>The variables that are needed to be satisfied are represented as vectors in the variable K. Each vector represents a card within the set, where a card is made up of p variables and we have to find v cards, a total of v*p variables to satisfy. </a:t>
+              <a:t>The variables that need to be satisfied are represented as vectors in the variable K. Each vector represents a card within the set of size v, where a card is made up of p variables, a total of v*p variables to satisfy. </a:t>
             </a:r>
           </a:p>
           <a:p>
@@ -6716,7 +6796,7 @@
                 <a:ea typeface="Helvetica Neue" charset="0"/>
                 <a:cs typeface="Helvetica Neue" charset="0"/>
               </a:rPr>
-              <a:t> constraint is used to speed up the solver by constraining all permutations of a set to one set. </a:t>
+              <a:t> constraint breaks the symmetry to speed up the solver by constraining all permutations of a set to one set. </a:t>
             </a:r>
             <a:endParaRPr lang="en-US" sz="5400" b="0" dirty="0">
               <a:latin typeface="Helvetica Neue" charset="0"/>
@@ -6798,7 +6878,7 @@
         </p:nvSpPr>
         <p:spPr>
           <a:xfrm>
-            <a:off x="8448201" y="22184594"/>
+            <a:off x="8448201" y="21352326"/>
             <a:ext cx="26563250" cy="3416320"/>
           </a:xfrm>
           <a:prstGeom prst="rect">
@@ -7041,8 +7121,8 @@
         </p:nvSpPr>
         <p:spPr>
           <a:xfrm>
-            <a:off x="1393323" y="13474341"/>
-            <a:ext cx="33485773" cy="12157174"/>
+            <a:off x="1393323" y="13260630"/>
+            <a:ext cx="33485773" cy="13018949"/>
           </a:xfrm>
           <a:prstGeom prst="rect">
             <a:avLst/>
@@ -7065,7 +7145,7 @@
                 <a:ea typeface="Helvetica Neue" charset="0"/>
                 <a:cs typeface="Helvetica Neue" charset="0"/>
               </a:rPr>
-              <a:t>To create the initial partial sets, all combinations of 2 cards will be created as partial sets from a given board.</a:t>
+              <a:t>To create initial partial sets, all combinations of two cards will be created as partial sets from a given board.</a:t>
             </a:r>
           </a:p>
           <a:p>
@@ -7079,7 +7159,7 @@
                 <a:ea typeface="Helvetica Neue" charset="0"/>
                 <a:cs typeface="Helvetica Neue" charset="0"/>
               </a:rPr>
-              <a:t>For each partial set, all cards will be iterated over and will be added to the partial set if they can be part of a satisfying set (for all properties the values are either all the same or all different). When we add the card, we must copy the given partial set and append the new partial set to the end of the list since partial sets can be satisfied in different ways depending on how the cards are added.</a:t>
+              <a:t>For each partial set, all cards will be iterated over and will be added to the partial set if they can be part of the satisfying set (for all properties the values are either all the same or all different). When we add the card, we must first copy the given partial set and append the new partial set to the end of the list, since partial sets can be satisfied in different ways depending on how the cards are added.</a:t>
             </a:r>
           </a:p>
           <a:p>
@@ -7107,7 +7187,7 @@
                 <a:ea typeface="Helvetica Neue" charset="0"/>
                 <a:cs typeface="Helvetica Neue" charset="0"/>
               </a:rPr>
-              <a:t>Once we add all cards to all partial sets, we iterate over the partial set list and create the quick complete dictionary. If a partial set is of size v-1, we figure out the last card that would satisfy the set, and map it to the partial set it would complete.</a:t>
+              <a:t>Once we add all cards to all partial sets, we iterate over the partial set list and create the quick complete dictionary. If a partial set is of size v-1, we figure out the last card that would satisfy the set and map it to the partial set it would complete.</a:t>
             </a:r>
           </a:p>
           <a:p>
@@ -7121,7 +7201,7 @@
                 <a:ea typeface="Helvetica Neue" charset="0"/>
                 <a:cs typeface="Helvetica Neue" charset="0"/>
               </a:rPr>
-              <a:t>We draw v new cards and check if a card pulled is one of the cards we needed to satisfy an almost complete set. </a:t>
+              <a:t>We draw v new cards and check if any card satisfies an almost complete set. If so, we complete the set.</a:t>
             </a:r>
           </a:p>
           <a:p>
@@ -7135,7 +7215,7 @@
                 <a:ea typeface="Helvetica Neue" charset="0"/>
                 <a:cs typeface="Helvetica Neue" charset="0"/>
               </a:rPr>
-              <a:t>Once we quick complete all partial sets, we create new size two partial sets from all combinations of the leftover new cards and repeat the above steps from step two until we have found n total sets.</a:t>
+              <a:t>Once we quick complete all partial sets, we create new partial sets of size two from all combinations of leftover new cards and cards on the board. Then, we repeat the above steps from step two until we have found n total sets.</a:t>
             </a:r>
             <a:endParaRPr lang="en-US" sz="5600" b="0" dirty="0">
               <a:latin typeface="Helvetica Neue" charset="0"/>
@@ -7842,8 +7922,8 @@
         </p:nvSpPr>
         <p:spPr>
           <a:xfrm>
-            <a:off x="3484862" y="21912660"/>
-            <a:ext cx="31500038" cy="3416320"/>
+            <a:off x="3484862" y="21684975"/>
+            <a:ext cx="31500038" cy="4247317"/>
           </a:xfrm>
           <a:prstGeom prst="rect">
             <a:avLst/>
@@ -7856,13 +7936,31 @@
           </a:bodyPr>
           <a:lstStyle/>
           <a:p>
+            <a:pPr marL="685800" indent="-685800">
+              <a:buFont typeface="Arial" charset="0"/>
+              <a:buChar char="•"/>
+            </a:pPr>
             <a:r>
               <a:rPr lang="en-US" sz="5400" b="0" dirty="0" smtClean="0">
                 <a:latin typeface="Helvetica Neue" charset="0"/>
                 <a:ea typeface="Helvetica Neue" charset="0"/>
                 <a:cs typeface="Helvetica Neue" charset="0"/>
               </a:rPr>
-              <a:t>The sorted rigid constraint to break the symmetry in the search space yields a faster solver than using the sorted relative constraint because the sorted rigid constraint restricts the search space more. Therefore, the optimal SMT solver uses the sorted rigid constraint and will be used to directly compare it against the dynamic algorithm.  </a:t>
+              <a:t>The sorted rigid constraint to break the symmetry in the search space yields a faster solver than using the sorted relative constraint because the sorted rigid constraint restricts the search space more. </a:t>
+            </a:r>
+          </a:p>
+          <a:p>
+            <a:pPr marL="685800" indent="-685800">
+              <a:buFont typeface="Arial" charset="0"/>
+              <a:buChar char="•"/>
+            </a:pPr>
+            <a:r>
+              <a:rPr lang="en-US" sz="5400" b="0" dirty="0" smtClean="0">
+                <a:latin typeface="Helvetica Neue" charset="0"/>
+                <a:ea typeface="Helvetica Neue" charset="0"/>
+                <a:cs typeface="Helvetica Neue" charset="0"/>
+              </a:rPr>
+              <a:t>The optimal SMT solver uses the sorted rigid constraint and will be used to face off against the dynamic algorithm.  </a:t>
             </a:r>
             <a:endParaRPr lang="en-US" sz="5400" b="0" dirty="0">
               <a:latin typeface="Helvetica Neue" charset="0"/>
@@ -8073,7 +8171,7 @@
         <p:spPr>
           <a:xfrm>
             <a:off x="3943845" y="19772810"/>
-            <a:ext cx="29469645" cy="5078313"/>
+            <a:ext cx="29469645" cy="5909310"/>
           </a:xfrm>
           <a:prstGeom prst="rect">
             <a:avLst/>
@@ -8086,13 +8184,77 @@
           </a:bodyPr>
           <a:lstStyle/>
           <a:p>
+            <a:pPr marL="685800" indent="-685800">
+              <a:buFont typeface="Arial" charset="0"/>
+              <a:buChar char="•"/>
+            </a:pPr>
             <a:r>
               <a:rPr lang="en-US" sz="5400" b="0" dirty="0" smtClean="0">
                 <a:latin typeface="Helvetica Neue" charset="0"/>
                 <a:ea typeface="Helvetica Neue" charset="0"/>
                 <a:cs typeface="Helvetica Neue" charset="0"/>
               </a:rPr>
-              <a:t>In both cases, the dynamic algorithm is faster than the SMT solver for smaller cases. Once, we reach a threshold, the SMT solver becomes a faster solution. When we reach 7 values or 5 properties, the SMT solver beats the dynamic algorithm. This is especially in the case of the dynamic algorithm since we store all partial sets, which will be larger as we increase the number of values. </a:t>
+              <a:t>The dynamic algorithm is faster than the SMT solver for smaller cases. </a:t>
+            </a:r>
+          </a:p>
+          <a:p>
+            <a:pPr marL="685800" indent="-685800">
+              <a:buFont typeface="Arial" charset="0"/>
+              <a:buChar char="•"/>
+            </a:pPr>
+            <a:r>
+              <a:rPr lang="en-US" sz="5400" b="0" dirty="0" smtClean="0">
+                <a:latin typeface="Helvetica Neue" charset="0"/>
+                <a:ea typeface="Helvetica Neue" charset="0"/>
+                <a:cs typeface="Helvetica Neue" charset="0"/>
+              </a:rPr>
+              <a:t>Once we reach a threshold, the SMT solver becomes a faster solution. When we reach 7 values or 5 properties, the SMT solver beats the dynamic algorithm. </a:t>
+            </a:r>
+          </a:p>
+          <a:p>
+            <a:pPr marL="685800" indent="-685800">
+              <a:buFont typeface="Arial" charset="0"/>
+              <a:buChar char="•"/>
+            </a:pPr>
+            <a:r>
+              <a:rPr lang="en-US" sz="5400" b="0" dirty="0" smtClean="0">
+                <a:latin typeface="Helvetica Neue" charset="0"/>
+                <a:ea typeface="Helvetica Neue" charset="0"/>
+                <a:cs typeface="Helvetica Neue" charset="0"/>
+              </a:rPr>
+              <a:t>The dynamic algorithm becomes much slower in the case when we increase the number of values since we store all partial sets, which will be larger since the number of values determines the size </a:t>
+            </a:r>
+            <a:r>
+              <a:rPr lang="en-US" sz="5400" b="0" smtClean="0">
+                <a:latin typeface="Helvetica Neue" charset="0"/>
+                <a:ea typeface="Helvetica Neue" charset="0"/>
+                <a:cs typeface="Helvetica Neue" charset="0"/>
+              </a:rPr>
+              <a:t>of </a:t>
+            </a:r>
+            <a:r>
+              <a:rPr lang="en-US" sz="5400" b="0" smtClean="0">
+                <a:latin typeface="Helvetica Neue" charset="0"/>
+                <a:ea typeface="Helvetica Neue" charset="0"/>
+                <a:cs typeface="Helvetica Neue" charset="0"/>
+              </a:rPr>
+              <a:t>complete </a:t>
+            </a:r>
+            <a:r>
+              <a:rPr lang="en-US" sz="5400" b="0" smtClean="0">
+                <a:latin typeface="Helvetica Neue" charset="0"/>
+                <a:ea typeface="Helvetica Neue" charset="0"/>
+                <a:cs typeface="Helvetica Neue" charset="0"/>
+              </a:rPr>
+              <a:t>sets</a:t>
+            </a:r>
+            <a:r>
+              <a:rPr lang="en-US" sz="5400" b="0" dirty="0" smtClean="0">
+                <a:latin typeface="Helvetica Neue" charset="0"/>
+                <a:ea typeface="Helvetica Neue" charset="0"/>
+                <a:cs typeface="Helvetica Neue" charset="0"/>
+              </a:rPr>
+              <a:t>.</a:t>
             </a:r>
             <a:endParaRPr lang="en-US" sz="5400" b="0" dirty="0" smtClean="0">
               <a:latin typeface="Helvetica Neue" charset="0"/>
